--- a/presentation/Project 3.pptx
+++ b/presentation/Project 3.pptx
@@ -6244,7 +6244,7 @@
           <a:lstStyle/>
           <a:p>
             <a:r>
-              <a:rPr lang="en-US" sz="2400">
+              <a:rPr lang="en-US" sz="2400" dirty="0">
                 <a:solidFill>
                   <a:srgbClr val="7AA6C4"/>
                 </a:solidFill>
@@ -6252,7 +6252,7 @@
               <a:t>Group 9: Nichole Yao, Alexandra </a:t>
             </a:r>
             <a:r>
-              <a:rPr lang="en-US" sz="2400" err="1">
+              <a:rPr lang="en-US" sz="2400" dirty="0" err="1">
                 <a:solidFill>
                   <a:srgbClr val="7AA6C4"/>
                 </a:solidFill>
@@ -6260,7 +6260,7 @@
               <a:t>DeKinder</a:t>
             </a:r>
             <a:r>
-              <a:rPr lang="en-US" sz="2400">
+              <a:rPr lang="en-US" sz="2400" dirty="0">
                 <a:solidFill>
                   <a:srgbClr val="7AA6C4"/>
                 </a:solidFill>
@@ -6268,7 +6268,7 @@
               <a:t>, </a:t>
             </a:r>
             <a:r>
-              <a:rPr lang="en-US" sz="2400" err="1">
+              <a:rPr lang="en-US" sz="2400" dirty="0" err="1">
                 <a:solidFill>
                   <a:srgbClr val="7AA6C4"/>
                 </a:solidFill>
@@ -6276,7 +6276,7 @@
               <a:t>Yuting</a:t>
             </a:r>
             <a:r>
-              <a:rPr lang="en-US" sz="2400">
+              <a:rPr lang="en-US" sz="2400" dirty="0">
                 <a:solidFill>
                   <a:srgbClr val="7AA6C4"/>
                 </a:solidFill>
@@ -6777,7 +6777,12 @@
             <p:ph idx="1"/>
           </p:nvPr>
         </p:nvSpPr>
-        <p:spPr/>
+        <p:spPr>
+          <a:xfrm>
+            <a:off x="350658" y="2115479"/>
+            <a:ext cx="10353762" cy="3714749"/>
+          </a:xfrm>
+        </p:spPr>
         <p:txBody>
           <a:bodyPr>
             <a:noAutofit/>
@@ -6808,12 +6813,9 @@
             <a:endParaRPr lang="en-US" sz="1600" dirty="0"/>
           </a:p>
           <a:p>
-            <a:endParaRPr lang="en-US" sz="1600" dirty="0"/>
-          </a:p>
-          <a:p>
             <a:r>
               <a:rPr lang="en-US" sz="1600" dirty="0"/>
-              <a:t>Fixed gamma, Decreasing cost? </a:t>
+              <a:t>Fixed gamma(1/6006), Decreasing cost? </a:t>
             </a:r>
           </a:p>
           <a:p>
@@ -6876,8 +6878,8 @@
         </p:blipFill>
         <p:spPr>
           <a:xfrm>
-            <a:off x="8375692" y="1884225"/>
-            <a:ext cx="3255265" cy="1297149"/>
+            <a:off x="8666555" y="2774681"/>
+            <a:ext cx="3098374" cy="1234631"/>
           </a:xfrm>
           <a:prstGeom prst="rect">
             <a:avLst/>
@@ -6912,8 +6914,8 @@
         </p:blipFill>
         <p:spPr>
           <a:xfrm>
-            <a:off x="5651158" y="4068238"/>
-            <a:ext cx="2164482" cy="2534269"/>
+            <a:off x="6436883" y="4239694"/>
+            <a:ext cx="2054053" cy="2404974"/>
           </a:xfrm>
           <a:prstGeom prst="rect">
             <a:avLst/>
@@ -6948,8 +6950,80 @@
         </p:blipFill>
         <p:spPr>
           <a:xfrm>
-            <a:off x="8290048" y="4068238"/>
-            <a:ext cx="3598321" cy="2484735"/>
+            <a:off x="8666555" y="4310405"/>
+            <a:ext cx="3278010" cy="2263552"/>
+          </a:xfrm>
+          <a:prstGeom prst="rect">
+            <a:avLst/>
+          </a:prstGeom>
+        </p:spPr>
+      </p:pic>
+      <p:pic>
+        <p:nvPicPr>
+          <p:cNvPr id="6" name="Picture 5" descr="A picture containing knife&#10;&#10;Description automatically generated">
+            <a:extLst>
+              <a:ext uri="{FF2B5EF4-FFF2-40B4-BE49-F238E27FC236}">
+                <a16:creationId xmlns:a16="http://schemas.microsoft.com/office/drawing/2014/main" id="{1891FC19-04E5-4958-A978-88135C147018}"/>
+              </a:ext>
+            </a:extLst>
+          </p:cNvPr>
+          <p:cNvPicPr>
+            <a:picLocks noChangeAspect="1"/>
+          </p:cNvPicPr>
+          <p:nvPr/>
+        </p:nvPicPr>
+        <p:blipFill>
+          <a:blip r:embed="rId5">
+            <a:extLst>
+              <a:ext uri="{28A0092B-C50C-407E-A947-70E740481C1C}">
+                <a14:useLocalDpi xmlns:a14="http://schemas.microsoft.com/office/drawing/2010/main" val="0"/>
+              </a:ext>
+            </a:extLst>
+          </a:blip>
+          <a:stretch>
+            <a:fillRect/>
+          </a:stretch>
+        </p:blipFill>
+        <p:spPr>
+          <a:xfrm>
+            <a:off x="3260060" y="5400419"/>
+            <a:ext cx="3089013" cy="1106631"/>
+          </a:xfrm>
+          <a:prstGeom prst="rect">
+            <a:avLst/>
+          </a:prstGeom>
+        </p:spPr>
+      </p:pic>
+      <p:pic>
+        <p:nvPicPr>
+          <p:cNvPr id="10" name="Picture 9" descr="A screenshot of a cell phone&#10;&#10;Description automatically generated">
+            <a:extLst>
+              <a:ext uri="{FF2B5EF4-FFF2-40B4-BE49-F238E27FC236}">
+                <a16:creationId xmlns:a16="http://schemas.microsoft.com/office/drawing/2014/main" id="{BFDB44EB-FF3A-4CC4-B806-320962D999C8}"/>
+              </a:ext>
+            </a:extLst>
+          </p:cNvPr>
+          <p:cNvPicPr>
+            <a:picLocks noChangeAspect="1"/>
+          </p:cNvPicPr>
+          <p:nvPr/>
+        </p:nvPicPr>
+        <p:blipFill>
+          <a:blip r:embed="rId6">
+            <a:extLst>
+              <a:ext uri="{28A0092B-C50C-407E-A947-70E740481C1C}">
+                <a14:useLocalDpi xmlns:a14="http://schemas.microsoft.com/office/drawing/2010/main" val="0"/>
+              </a:ext>
+            </a:extLst>
+          </a:blip>
+          <a:stretch>
+            <a:fillRect/>
+          </a:stretch>
+        </p:blipFill>
+        <p:spPr>
+          <a:xfrm>
+            <a:off x="8666555" y="1511805"/>
+            <a:ext cx="3098374" cy="1207348"/>
           </a:xfrm>
           <a:prstGeom prst="rect">
             <a:avLst/>
@@ -7046,21 +7120,63 @@
             <a:pPr lvl="1"/>
             <a:r>
               <a:rPr lang="en-US" dirty="0"/>
-              <a:t>Higher gamma more accurate: 42.5% (10^5), </a:t>
+              <a:t>Lowest gamma accuracy:  39.4% at (10^(-5))</a:t>
             </a:r>
           </a:p>
           <a:p>
             <a:pPr lvl="1"/>
             <a:r>
               <a:rPr lang="en-US" dirty="0"/>
-              <a:t>Lowest gamma accuracy:  at (10^(-2))</a:t>
-            </a:r>
-          </a:p>
-          <a:p>
-            <a:endParaRPr lang="en-US" dirty="0"/>
-          </a:p>
-        </p:txBody>
-      </p:sp>
+              <a:t>Higher gamma less accurate: 0.225% (10^-2), </a:t>
+            </a:r>
+          </a:p>
+          <a:p>
+            <a:pPr marL="450000" lvl="1" indent="0">
+              <a:buNone/>
+            </a:pPr>
+            <a:endParaRPr lang="en-US" dirty="0"/>
+          </a:p>
+          <a:p>
+            <a:endParaRPr lang="en-US" dirty="0"/>
+          </a:p>
+        </p:txBody>
+      </p:sp>
+      <p:pic>
+        <p:nvPicPr>
+          <p:cNvPr id="5" name="Picture 4" descr="A picture containing bird&#10;&#10;Description automatically generated">
+            <a:extLst>
+              <a:ext uri="{FF2B5EF4-FFF2-40B4-BE49-F238E27FC236}">
+                <a16:creationId xmlns:a16="http://schemas.microsoft.com/office/drawing/2014/main" id="{32A25B19-9668-418B-B9D7-A67C7A82B550}"/>
+              </a:ext>
+            </a:extLst>
+          </p:cNvPr>
+          <p:cNvPicPr>
+            <a:picLocks noChangeAspect="1"/>
+          </p:cNvPicPr>
+          <p:nvPr/>
+        </p:nvPicPr>
+        <p:blipFill>
+          <a:blip r:embed="rId2">
+            <a:extLst>
+              <a:ext uri="{28A0092B-C50C-407E-A947-70E740481C1C}">
+                <a14:useLocalDpi xmlns:a14="http://schemas.microsoft.com/office/drawing/2010/main" val="0"/>
+              </a:ext>
+            </a:extLst>
+          </a:blip>
+          <a:stretch>
+            <a:fillRect/>
+          </a:stretch>
+        </p:blipFill>
+        <p:spPr>
+          <a:xfrm>
+            <a:off x="6805266" y="2076450"/>
+            <a:ext cx="4563093" cy="1666621"/>
+          </a:xfrm>
+          <a:prstGeom prst="rect">
+            <a:avLst/>
+          </a:prstGeom>
+        </p:spPr>
+      </p:pic>
     </p:spTree>
     <p:extLst>
       <p:ext uri="{BB962C8B-B14F-4D97-AF65-F5344CB8AC3E}">
@@ -7144,7 +7260,40 @@
           <a:bodyPr/>
           <a:lstStyle/>
           <a:p>
-            <a:endParaRPr lang="en-US"/>
+            <a:r>
+              <a:rPr lang="en-US" dirty="0"/>
+              <a:t>SVM Increasing gamma, Decreasing cost, were the best parameters that we found for </a:t>
+            </a:r>
+            <a:r>
+              <a:rPr lang="en-US" dirty="0" err="1"/>
+              <a:t>svm</a:t>
+            </a:r>
+            <a:r>
+              <a:rPr lang="en-US" dirty="0"/>
+              <a:t>.</a:t>
+            </a:r>
+          </a:p>
+          <a:p>
+            <a:r>
+              <a:rPr lang="en-US" dirty="0" err="1"/>
+              <a:t>Basline</a:t>
+            </a:r>
+            <a:r>
+              <a:rPr lang="en-US" dirty="0"/>
+              <a:t> = 4.8 % accurate</a:t>
+            </a:r>
+          </a:p>
+          <a:p>
+            <a:r>
+              <a:rPr lang="en-US" dirty="0"/>
+              <a:t>Best parameters for SVM on testing data = 51.6% accurate</a:t>
+            </a:r>
+          </a:p>
+          <a:p>
+            <a:r>
+              <a:rPr lang="en-US" dirty="0"/>
+              <a:t>GBM testing data = 8.8% accurate</a:t>
+            </a:r>
           </a:p>
         </p:txBody>
       </p:sp>
